--- a/Node和Webpack.pptx
+++ b/Node和Webpack.pptx
@@ -13458,7 +13458,7 @@
         </p:nvSpPr>
         <p:spPr>
           <a:xfrm>
-            <a:off x="2343488" y="1545402"/>
+            <a:off x="2343488" y="1541703"/>
             <a:ext cx="6820348" cy="523220"/>
           </a:xfrm>
           <a:prstGeom prst="rect">
@@ -13528,8 +13528,8 @@
         </p:nvSpPr>
         <p:spPr>
           <a:xfrm>
-            <a:off x="2836662" y="2528047"/>
-            <a:ext cx="5834001" cy="1754326"/>
+            <a:off x="2158929" y="2495774"/>
+            <a:ext cx="7189465" cy="2308324"/>
           </a:xfrm>
           <a:prstGeom prst="rect">
             <a:avLst/>
@@ -13635,12 +13635,41 @@
               <a:buChar char="•"/>
             </a:pPr>
             <a:r>
+              <a:rPr lang="en-US" altLang="zh-CN" sz="1800" dirty="0" err="1"/>
+              <a:t>config</a:t>
+            </a:r>
+            <a:r>
+              <a:rPr lang="en-US" altLang="zh-CN" sz="1800" dirty="0"/>
+              <a:t> set registry http://registry.npm.taobao.org</a:t>
+            </a:r>
+            <a:r>
+              <a:rPr lang="en-US" altLang="zh-CN" sz="1800" dirty="0" smtClean="0"/>
+              <a:t>/</a:t>
+            </a:r>
+          </a:p>
+          <a:p>
+            <a:pPr marL="457200" indent="-457200" algn="l">
+              <a:buFont typeface="Arial" panose="020B0604020202020204" pitchFamily="34" charset="0"/>
+              <a:buChar char="•"/>
+            </a:pPr>
+            <a:endParaRPr lang="en-US" altLang="zh-CN" sz="1800" dirty="0" smtClean="0"/>
+          </a:p>
+          <a:p>
+            <a:pPr marL="457200" indent="-457200" algn="l">
+              <a:buFont typeface="Arial" panose="020B0604020202020204" pitchFamily="34" charset="0"/>
+              <a:buChar char="•"/>
+            </a:pPr>
+            <a:r>
               <a:rPr lang="en-US" altLang="zh-CN" sz="1800" dirty="0" err="1" smtClean="0"/>
               <a:t>npm</a:t>
             </a:r>
             <a:r>
               <a:rPr lang="en-US" altLang="zh-CN" sz="1800" dirty="0" smtClean="0"/>
-              <a:t> install -g xxx</a:t>
+              <a:t> </a:t>
+            </a:r>
+            <a:r>
+              <a:rPr lang="en-US" altLang="zh-CN" sz="1800" dirty="0" smtClean="0"/>
+              <a:t>install -g xxx</a:t>
             </a:r>
           </a:p>
           <a:p>
